--- a/ARQUITECTURA DE MICROSERVICIOS - Ruveda_Confalonieri_Costantini.pptx
+++ b/ARQUITECTURA DE MICROSERVICIOS - Ruveda_Confalonieri_Costantini.pptx
@@ -3735,7 +3735,7 @@
         </p:blipFill>
         <p:spPr bwMode="auto">
           <a:xfrm>
-            <a:off x="3812861" y="1983581"/>
+            <a:off x="4051401" y="818451"/>
             <a:ext cx="7151020" cy="2890838"/>
           </a:xfrm>
           <a:prstGeom prst="rect">
@@ -3753,6 +3753,122 @@
           </a:extLst>
         </p:spPr>
       </p:pic>
+      <p:sp>
+        <p:nvSpPr>
+          <p:cNvPr id="3" name="CuadroTexto 2">
+            <a:extLst>
+              <a:ext uri="{FF2B5EF4-FFF2-40B4-BE49-F238E27FC236}">
+                <a16:creationId xmlns:a16="http://schemas.microsoft.com/office/drawing/2014/main" id="{392EE2BA-1DBB-4FC1-9B46-BA7554E67BAF}"/>
+              </a:ext>
+            </a:extLst>
+          </p:cNvPr>
+          <p:cNvSpPr txBox="1"/>
+          <p:nvPr/>
+        </p:nvSpPr>
+        <p:spPr>
+          <a:xfrm>
+            <a:off x="4285248" y="4052914"/>
+            <a:ext cx="3621504" cy="2585323"/>
+          </a:xfrm>
+          <a:prstGeom prst="rect">
+            <a:avLst/>
+          </a:prstGeom>
+          <a:noFill/>
+        </p:spPr>
+        <p:txBody>
+          <a:bodyPr wrap="none" rtlCol="0">
+            <a:spAutoFit/>
+          </a:bodyPr>
+          <a:lstStyle/>
+          <a:p>
+            <a:r>
+              <a:rPr lang="es-MX" b="1" u="sng" dirty="0"/>
+              <a:t>Componentes principales:</a:t>
+            </a:r>
+          </a:p>
+          <a:p>
+            <a:pPr marL="285750" indent="-285750">
+              <a:buFont typeface="Arial" panose="020B0604020202020204" pitchFamily="34" charset="0"/>
+              <a:buChar char="•"/>
+            </a:pPr>
+            <a:r>
+              <a:rPr lang="es-MX" dirty="0"/>
+              <a:t>Servidor de configuración central</a:t>
+            </a:r>
+          </a:p>
+          <a:p>
+            <a:pPr marL="285750" indent="-285750">
+              <a:buFont typeface="Arial" panose="020B0604020202020204" pitchFamily="34" charset="0"/>
+              <a:buChar char="•"/>
+            </a:pPr>
+            <a:r>
+              <a:rPr lang="es-MX" dirty="0"/>
+              <a:t>Servicio de registro</a:t>
+            </a:r>
+          </a:p>
+          <a:p>
+            <a:pPr marL="285750" indent="-285750">
+              <a:buFont typeface="Arial" panose="020B0604020202020204" pitchFamily="34" charset="0"/>
+              <a:buChar char="•"/>
+            </a:pPr>
+            <a:r>
+              <a:rPr lang="es-MX" dirty="0"/>
+              <a:t>Balanceo de carga</a:t>
+            </a:r>
+          </a:p>
+          <a:p>
+            <a:pPr marL="285750" indent="-285750">
+              <a:buFont typeface="Arial" panose="020B0604020202020204" pitchFamily="34" charset="0"/>
+              <a:buChar char="•"/>
+            </a:pPr>
+            <a:r>
+              <a:rPr lang="es-MX" dirty="0"/>
+              <a:t>Tolerancia a fallos</a:t>
+            </a:r>
+          </a:p>
+          <a:p>
+            <a:pPr marL="285750" indent="-285750">
+              <a:buFont typeface="Arial" panose="020B0604020202020204" pitchFamily="34" charset="0"/>
+              <a:buChar char="•"/>
+            </a:pPr>
+            <a:r>
+              <a:rPr lang="es-MX" dirty="0"/>
+              <a:t>Servidor Perimetral</a:t>
+            </a:r>
+          </a:p>
+          <a:p>
+            <a:pPr marL="285750" indent="-285750">
+              <a:buFont typeface="Arial" panose="020B0604020202020204" pitchFamily="34" charset="0"/>
+              <a:buChar char="•"/>
+            </a:pPr>
+            <a:r>
+              <a:rPr lang="es-MX" dirty="0"/>
+              <a:t>Centralización de logs</a:t>
+            </a:r>
+          </a:p>
+          <a:p>
+            <a:pPr marL="285750" indent="-285750">
+              <a:buFont typeface="Arial" panose="020B0604020202020204" pitchFamily="34" charset="0"/>
+              <a:buChar char="•"/>
+            </a:pPr>
+            <a:r>
+              <a:rPr lang="es-MX" dirty="0"/>
+              <a:t>Servidor de autorización</a:t>
+            </a:r>
+          </a:p>
+          <a:p>
+            <a:pPr marL="285750" indent="-285750">
+              <a:buFont typeface="Arial" panose="020B0604020202020204" pitchFamily="34" charset="0"/>
+              <a:buChar char="•"/>
+            </a:pPr>
+            <a:r>
+              <a:rPr lang="es-MX" dirty="0"/>
+              <a:t>Monitorización</a:t>
+            </a:r>
+            <a:endParaRPr lang="es-AR" dirty="0"/>
+          </a:p>
+        </p:txBody>
+      </p:sp>
     </p:spTree>
     <p:extLst>
       <p:ext uri="{BB962C8B-B14F-4D97-AF65-F5344CB8AC3E}">
